--- a/miniProj2pres.pptx
+++ b/miniProj2pres.pptx
@@ -5,10 +5,10 @@
     <p:sldMasterId id="2147483648" r:id="rId1"/>
   </p:sldMasterIdLst>
   <p:notesMasterIdLst>
-    <p:notesMasterId r:id="rId21"/>
+    <p:notesMasterId r:id="rId22"/>
   </p:notesMasterIdLst>
   <p:handoutMasterIdLst>
-    <p:handoutMasterId r:id="rId22"/>
+    <p:handoutMasterId r:id="rId23"/>
   </p:handoutMasterIdLst>
   <p:sldIdLst>
     <p:sldId id="258" r:id="rId2"/>
@@ -19,17 +19,18 @@
     <p:sldId id="275" r:id="rId7"/>
     <p:sldId id="276" r:id="rId8"/>
     <p:sldId id="282" r:id="rId9"/>
-    <p:sldId id="267" r:id="rId10"/>
-    <p:sldId id="277" r:id="rId11"/>
-    <p:sldId id="262" r:id="rId12"/>
-    <p:sldId id="281" r:id="rId13"/>
-    <p:sldId id="283" r:id="rId14"/>
-    <p:sldId id="284" r:id="rId15"/>
-    <p:sldId id="285" r:id="rId16"/>
-    <p:sldId id="280" r:id="rId17"/>
-    <p:sldId id="270" r:id="rId18"/>
-    <p:sldId id="271" r:id="rId19"/>
-    <p:sldId id="279" r:id="rId20"/>
+    <p:sldId id="286" r:id="rId10"/>
+    <p:sldId id="267" r:id="rId11"/>
+    <p:sldId id="277" r:id="rId12"/>
+    <p:sldId id="262" r:id="rId13"/>
+    <p:sldId id="281" r:id="rId14"/>
+    <p:sldId id="283" r:id="rId15"/>
+    <p:sldId id="284" r:id="rId16"/>
+    <p:sldId id="285" r:id="rId17"/>
+    <p:sldId id="280" r:id="rId18"/>
+    <p:sldId id="270" r:id="rId19"/>
+    <p:sldId id="271" r:id="rId20"/>
+    <p:sldId id="279" r:id="rId21"/>
   </p:sldIdLst>
   <p:sldSz cx="9144000" cy="6858000" type="screen4x3"/>
   <p:notesSz cx="6858000" cy="9144000"/>
@@ -258,7 +259,7 @@
             <a:fld id="{560FF77B-3A09-40DD-BFA9-DF177E33F826}" type="datetime1">
               <a:rPr lang="en-US"/>
               <a:pPr/>
-              <a:t>4/20/2013</a:t>
+              <a:t>4/21/2013</a:t>
             </a:fld>
             <a:endParaRPr lang="en-US"/>
           </a:p>
@@ -448,7 +449,7 @@
             <a:fld id="{F3F8FEC9-72FC-4BBA-BEA9-F90A78877218}" type="datetime1">
               <a:rPr lang="en-US"/>
               <a:pPr/>
-              <a:t>4/20/2013</a:t>
+              <a:t>4/21/2013</a:t>
             </a:fld>
             <a:endParaRPr lang="en-US"/>
           </a:p>
@@ -817,7 +818,7 @@
         <p:nvSpPr>
           <p:cNvPr id="19459" name="Rectangle 2"/>
           <p:cNvSpPr>
-            <a:spLocks noChangeArrowheads="1" noTextEdit="1"/>
+            <a:spLocks noGrp="1" noRot="1" noChangeAspect="1" noChangeArrowheads="1" noTextEdit="1"/>
           </p:cNvSpPr>
           <p:nvPr>
             <p:ph type="sldImg"/>
@@ -923,7 +924,7 @@
         <p:nvSpPr>
           <p:cNvPr id="22531" name="Rectangle 2"/>
           <p:cNvSpPr>
-            <a:spLocks noChangeArrowheads="1" noTextEdit="1"/>
+            <a:spLocks noGrp="1" noRot="1" noChangeAspect="1" noChangeArrowheads="1" noTextEdit="1"/>
           </p:cNvSpPr>
           <p:nvPr>
             <p:ph type="sldImg"/>
@@ -4267,11 +4268,7 @@
           <a:p>
             <a:r>
               <a:rPr lang="en-US" dirty="0" smtClean="0"/>
-              <a:t>Team Members: </a:t>
-            </a:r>
-            <a:r>
-              <a:rPr lang="en-US" dirty="0" smtClean="0"/>
-              <a:t>David </a:t>
+              <a:t>Team Members: David </a:t>
             </a:r>
             <a:r>
               <a:rPr lang="en-US" dirty="0" err="1" smtClean="0"/>
@@ -4305,7 +4302,6 @@
               <a:rPr lang="en-US" dirty="0" smtClean="0"/>
               <a:t> </a:t>
             </a:r>
-            <a:endParaRPr lang="en-US" dirty="0" smtClean="0"/>
           </a:p>
           <a:p>
             <a:r>
@@ -4415,50 +4411,105 @@
       </p:grpSpPr>
       <p:sp>
         <p:nvSpPr>
-          <p:cNvPr id="26626" name="Title 1"/>
-          <p:cNvSpPr>
-            <a:spLocks noGrp="1"/>
+          <p:cNvPr id="25602" name="Rectangle 2"/>
+          <p:cNvSpPr>
+            <a:spLocks noGrp="1" noChangeArrowheads="1"/>
           </p:cNvSpPr>
           <p:nvPr>
             <p:ph type="title"/>
           </p:nvPr>
         </p:nvSpPr>
-        <p:spPr/>
+        <p:spPr>
+          <a:xfrm>
+            <a:off x="762000" y="304800"/>
+            <a:ext cx="7772400" cy="1143000"/>
+          </a:xfrm>
+        </p:spPr>
         <p:txBody>
           <a:bodyPr/>
           <a:lstStyle/>
           <a:p>
             <a:r>
               <a:rPr lang="en-US" smtClean="0"/>
-              <a:t>Behavior Model: Sequence Diagrams</a:t>
-            </a:r>
-          </a:p>
-        </p:txBody>
-      </p:sp>
-      <p:sp>
-        <p:nvSpPr>
-          <p:cNvPr id="26627" name="Content Placeholder 2"/>
-          <p:cNvSpPr>
-            <a:spLocks noGrp="1"/>
-          </p:cNvSpPr>
-          <p:nvPr>
-            <p:ph idx="1"/>
-          </p:nvPr>
-        </p:nvSpPr>
-        <p:spPr/>
+              <a:t>Description of Class Diagram</a:t>
+            </a:r>
+          </a:p>
+        </p:txBody>
+      </p:sp>
+      <p:sp>
+        <p:nvSpPr>
+          <p:cNvPr id="25603" name="Rectangle 3"/>
+          <p:cNvSpPr>
+            <a:spLocks noGrp="1" noChangeArrowheads="1"/>
+          </p:cNvSpPr>
+          <p:nvPr>
+            <p:ph type="body" idx="1"/>
+          </p:nvPr>
+        </p:nvSpPr>
+        <p:spPr>
+          <a:xfrm>
+            <a:off x="685800" y="1600200"/>
+            <a:ext cx="8077200" cy="4495800"/>
+          </a:xfrm>
+        </p:spPr>
         <p:txBody>
           <a:bodyPr/>
           <a:lstStyle/>
           <a:p>
             <a:r>
               <a:rPr lang="en-US" smtClean="0"/>
-              <a:t>Give 1 normal scenario in terms of sequence diagram</a:t>
-            </a:r>
-          </a:p>
-          <a:p>
-            <a:r>
-              <a:rPr lang="en-US" smtClean="0"/>
-              <a:t>Give a scenario describing exceptional situation in terms of sequence diagram</a:t>
+              <a:t>General layout of class model</a:t>
+            </a:r>
+          </a:p>
+          <a:p>
+            <a:r>
+              <a:rPr lang="en-US" smtClean="0"/>
+              <a:t>Why model is constructed this way</a:t>
+            </a:r>
+          </a:p>
+          <a:p>
+            <a:r>
+              <a:rPr lang="en-US" smtClean="0"/>
+              <a:t>Identify the design patterns used for system (use color or other means to distinguish design patterns).</a:t>
+            </a:r>
+          </a:p>
+          <a:p>
+            <a:pPr lvl="1"/>
+            <a:r>
+              <a:rPr lang="en-US" smtClean="0"/>
+              <a:t>Explain the rationale for the design patterns used</a:t>
+            </a:r>
+          </a:p>
+          <a:p>
+            <a:r>
+              <a:rPr lang="en-US" smtClean="0">
+                <a:solidFill>
+                  <a:srgbClr val="0000FF"/>
+                </a:solidFill>
+              </a:rPr>
+              <a:t>AOP Projects:</a:t>
+            </a:r>
+          </a:p>
+          <a:p>
+            <a:pPr lvl="1"/>
+            <a:r>
+              <a:rPr lang="en-US" smtClean="0">
+                <a:solidFill>
+                  <a:srgbClr val="0000FF"/>
+                </a:solidFill>
+              </a:rPr>
+              <a:t>Identify the cross-cutting concern(s)</a:t>
+            </a:r>
+          </a:p>
+          <a:p>
+            <a:pPr lvl="1"/>
+            <a:r>
+              <a:rPr lang="en-US" smtClean="0">
+                <a:solidFill>
+                  <a:srgbClr val="0000FF"/>
+                </a:solidFill>
+              </a:rPr>
+              <a:t>How did you use aspect-oriented programming?</a:t>
             </a:r>
           </a:p>
         </p:txBody>
@@ -4490,9 +4541,9 @@
       </p:grpSpPr>
       <p:sp>
         <p:nvSpPr>
-          <p:cNvPr id="27650" name="Rectangle 2"/>
-          <p:cNvSpPr>
-            <a:spLocks noGrp="1" noChangeArrowheads="1"/>
+          <p:cNvPr id="26626" name="Title 1"/>
+          <p:cNvSpPr>
+            <a:spLocks noGrp="1"/>
           </p:cNvSpPr>
           <p:nvPr>
             <p:ph type="title"/>
@@ -4505,14 +4556,14 @@
           <a:p>
             <a:r>
               <a:rPr lang="en-US" smtClean="0"/>
-              <a:t>Behavior Model: State Diagrams</a:t>
-            </a:r>
-          </a:p>
-        </p:txBody>
-      </p:sp>
-      <p:sp>
-        <p:nvSpPr>
-          <p:cNvPr id="27651" name="Content Placeholder 2"/>
+              <a:t>Behavior Model: Sequence Diagrams</a:t>
+            </a:r>
+          </a:p>
+        </p:txBody>
+      </p:sp>
+      <p:sp>
+        <p:nvSpPr>
+          <p:cNvPr id="26627" name="Content Placeholder 2"/>
           <p:cNvSpPr>
             <a:spLocks noGrp="1"/>
           </p:cNvSpPr>
@@ -4527,13 +4578,13 @@
           <a:p>
             <a:r>
               <a:rPr lang="en-US" smtClean="0"/>
-              <a:t>Give state diagram for at least two key (interacting) classes. </a:t>
-            </a:r>
-          </a:p>
-          <a:p>
-            <a:r>
-              <a:rPr lang="en-US" smtClean="0"/>
-              <a:t>Explain interaction</a:t>
+              <a:t>Give 1 normal scenario in terms of sequence diagram</a:t>
+            </a:r>
+          </a:p>
+          <a:p>
+            <a:r>
+              <a:rPr lang="en-US" smtClean="0"/>
+              <a:t>Give a scenario describing exceptional situation in terms of sequence diagram</a:t>
             </a:r>
           </a:p>
         </p:txBody>
@@ -4565,12 +4616,34 @@
       </p:grpSpPr>
       <p:sp>
         <p:nvSpPr>
-          <p:cNvPr id="28674" name="Title 1"/>
+          <p:cNvPr id="27650" name="Rectangle 2"/>
+          <p:cNvSpPr>
+            <a:spLocks noGrp="1" noChangeArrowheads="1"/>
+          </p:cNvSpPr>
+          <p:nvPr>
+            <p:ph type="title"/>
+          </p:nvPr>
+        </p:nvSpPr>
+        <p:spPr/>
+        <p:txBody>
+          <a:bodyPr/>
+          <a:lstStyle/>
+          <a:p>
+            <a:r>
+              <a:rPr lang="en-US" smtClean="0"/>
+              <a:t>Behavior Model: State Diagrams</a:t>
+            </a:r>
+          </a:p>
+        </p:txBody>
+      </p:sp>
+      <p:sp>
+        <p:nvSpPr>
+          <p:cNvPr id="27651" name="Content Placeholder 2"/>
           <p:cNvSpPr>
             <a:spLocks noGrp="1"/>
           </p:cNvSpPr>
           <p:nvPr>
-            <p:ph type="title"/>
+            <p:ph idx="1"/>
           </p:nvPr>
         </p:nvSpPr>
         <p:spPr/>
@@ -4579,47 +4652,15 @@
           <a:lstStyle/>
           <a:p>
             <a:r>
-              <a:rPr lang="en-US" dirty="0" smtClean="0"/>
-              <a:t>Related Work	</a:t>
-            </a:r>
-          </a:p>
-        </p:txBody>
-      </p:sp>
-      <p:sp>
-        <p:nvSpPr>
-          <p:cNvPr id="28675" name="Content Placeholder 2"/>
-          <p:cNvSpPr>
-            <a:spLocks noGrp="1"/>
-          </p:cNvSpPr>
-          <p:nvPr>
-            <p:ph idx="1"/>
-          </p:nvPr>
-        </p:nvSpPr>
-        <p:spPr/>
-        <p:txBody>
-          <a:bodyPr/>
-          <a:lstStyle/>
-          <a:p>
-            <a:r>
-              <a:rPr lang="en-US" dirty="0" smtClean="0"/>
-              <a:t> </a:t>
-            </a:r>
-          </a:p>
-          <a:p>
-            <a:endParaRPr lang="en-US" dirty="0" smtClean="0"/>
-          </a:p>
-          <a:p>
-            <a:r>
-              <a:rPr lang="en-US" dirty="0" smtClean="0"/>
-              <a:t>How are they similar?</a:t>
-            </a:r>
-          </a:p>
-          <a:p>
-            <a:r>
-              <a:rPr lang="en-US" dirty="0" smtClean="0"/>
-              <a:t>How are they different?</a:t>
-            </a:r>
-            <a:endParaRPr lang="en-US" dirty="0" smtClean="0"/>
+              <a:rPr lang="en-US" smtClean="0"/>
+              <a:t>Give state diagram for at least two key (interacting) classes. </a:t>
+            </a:r>
+          </a:p>
+          <a:p>
+            <a:r>
+              <a:rPr lang="en-US" smtClean="0"/>
+              <a:t>Explain interaction</a:t>
+            </a:r>
           </a:p>
         </p:txBody>
       </p:sp>
@@ -4650,6 +4691,90 @@
       </p:grpSpPr>
       <p:sp>
         <p:nvSpPr>
+          <p:cNvPr id="28674" name="Title 1"/>
+          <p:cNvSpPr>
+            <a:spLocks noGrp="1"/>
+          </p:cNvSpPr>
+          <p:nvPr>
+            <p:ph type="title"/>
+          </p:nvPr>
+        </p:nvSpPr>
+        <p:spPr/>
+        <p:txBody>
+          <a:bodyPr/>
+          <a:lstStyle/>
+          <a:p>
+            <a:r>
+              <a:rPr lang="en-US" dirty="0" smtClean="0"/>
+              <a:t>Related Work	</a:t>
+            </a:r>
+          </a:p>
+        </p:txBody>
+      </p:sp>
+      <p:sp>
+        <p:nvSpPr>
+          <p:cNvPr id="28675" name="Content Placeholder 2"/>
+          <p:cNvSpPr>
+            <a:spLocks noGrp="1"/>
+          </p:cNvSpPr>
+          <p:nvPr>
+            <p:ph idx="1"/>
+          </p:nvPr>
+        </p:nvSpPr>
+        <p:spPr/>
+        <p:txBody>
+          <a:bodyPr/>
+          <a:lstStyle/>
+          <a:p>
+            <a:r>
+              <a:rPr lang="en-US" dirty="0" smtClean="0"/>
+              <a:t> </a:t>
+            </a:r>
+          </a:p>
+          <a:p>
+            <a:endParaRPr lang="en-US" dirty="0" smtClean="0"/>
+          </a:p>
+          <a:p>
+            <a:r>
+              <a:rPr lang="en-US" dirty="0" smtClean="0"/>
+              <a:t>How are they similar?</a:t>
+            </a:r>
+          </a:p>
+          <a:p>
+            <a:r>
+              <a:rPr lang="en-US" dirty="0" smtClean="0"/>
+              <a:t>How are they different?</a:t>
+            </a:r>
+          </a:p>
+        </p:txBody>
+      </p:sp>
+    </p:spTree>
+  </p:cSld>
+  <p:clrMapOvr>
+    <a:masterClrMapping/>
+  </p:clrMapOvr>
+</p:sld>
+</file>
+
+<file path=ppt/slides/slide14.xml><?xml version="1.0" encoding="utf-8"?>
+<p:sld xmlns:a="http://schemas.openxmlformats.org/drawingml/2006/main" xmlns:r="http://schemas.openxmlformats.org/officeDocument/2006/relationships" xmlns:p="http://schemas.openxmlformats.org/presentationml/2006/main">
+  <p:cSld>
+    <p:spTree>
+      <p:nvGrpSpPr>
+        <p:cNvPr id="1" name=""/>
+        <p:cNvGrpSpPr/>
+        <p:nvPr/>
+      </p:nvGrpSpPr>
+      <p:grpSpPr>
+        <a:xfrm>
+          <a:off x="0" y="0"/>
+          <a:ext cx="0" cy="0"/>
+          <a:chOff x="0" y="0"/>
+          <a:chExt cx="0" cy="0"/>
+        </a:xfrm>
+      </p:grpSpPr>
+      <p:sp>
+        <p:nvSpPr>
           <p:cNvPr id="2" name="Title 1"/>
           <p:cNvSpPr>
             <a:spLocks noGrp="1"/>
@@ -4665,11 +4790,7 @@
           <a:p>
             <a:r>
               <a:rPr lang="en-US" sz="1600" dirty="0" smtClean="0"/>
-              <a:t>(1) Kai-Tai </a:t>
-            </a:r>
-            <a:r>
-              <a:rPr lang="en-US" sz="1600" dirty="0" smtClean="0"/>
-              <a:t>Song, </a:t>
+              <a:t>(1) Kai-Tai Song, </a:t>
             </a:r>
             <a:r>
               <a:rPr lang="en-US" sz="1600" dirty="0" err="1" smtClean="0"/>
@@ -4765,7 +4886,7 @@
 </p:sld>
 </file>
 
-<file path=ppt/slides/slide14.xml><?xml version="1.0" encoding="utf-8"?>
+<file path=ppt/slides/slide15.xml><?xml version="1.0" encoding="utf-8"?>
 <p:sld xmlns:a="http://schemas.openxmlformats.org/drawingml/2006/main" xmlns:r="http://schemas.openxmlformats.org/officeDocument/2006/relationships" xmlns:p="http://schemas.openxmlformats.org/presentationml/2006/main">
   <p:cSld>
     <p:spTree>
@@ -4898,7 +5019,7 @@
 </p:sld>
 </file>
 
-<file path=ppt/slides/slide15.xml><?xml version="1.0" encoding="utf-8"?>
+<file path=ppt/slides/slide16.xml><?xml version="1.0" encoding="utf-8"?>
 <p:sld xmlns:a="http://schemas.openxmlformats.org/drawingml/2006/main" xmlns:r="http://schemas.openxmlformats.org/officeDocument/2006/relationships" xmlns:p="http://schemas.openxmlformats.org/presentationml/2006/main">
   <p:cSld>
     <p:spTree>
@@ -5023,145 +5144,6 @@
 </p:sld>
 </file>
 
-<file path=ppt/slides/slide16.xml><?xml version="1.0" encoding="utf-8"?>
-<p:sld xmlns:a="http://schemas.openxmlformats.org/drawingml/2006/main" xmlns:r="http://schemas.openxmlformats.org/officeDocument/2006/relationships" xmlns:p="http://schemas.openxmlformats.org/presentationml/2006/main">
-  <p:cSld>
-    <p:spTree>
-      <p:nvGrpSpPr>
-        <p:cNvPr id="1" name=""/>
-        <p:cNvGrpSpPr/>
-        <p:nvPr/>
-      </p:nvGrpSpPr>
-      <p:grpSpPr>
-        <a:xfrm>
-          <a:off x="0" y="0"/>
-          <a:ext cx="0" cy="0"/>
-          <a:chOff x="0" y="0"/>
-          <a:chExt cx="0" cy="0"/>
-        </a:xfrm>
-      </p:grpSpPr>
-      <p:sp>
-        <p:nvSpPr>
-          <p:cNvPr id="29698" name="Title 1"/>
-          <p:cNvSpPr>
-            <a:spLocks noGrp="1"/>
-          </p:cNvSpPr>
-          <p:nvPr>
-            <p:ph type="title"/>
-          </p:nvPr>
-        </p:nvSpPr>
-        <p:spPr/>
-        <p:txBody>
-          <a:bodyPr/>
-          <a:lstStyle/>
-          <a:p>
-            <a:r>
-              <a:rPr lang="en-US" smtClean="0"/>
-              <a:t>Lessons Learned</a:t>
-            </a:r>
-          </a:p>
-        </p:txBody>
-      </p:sp>
-      <p:sp>
-        <p:nvSpPr>
-          <p:cNvPr id="29699" name="Content Placeholder 2"/>
-          <p:cNvSpPr>
-            <a:spLocks noGrp="1"/>
-          </p:cNvSpPr>
-          <p:nvPr>
-            <p:ph idx="1"/>
-          </p:nvPr>
-        </p:nvSpPr>
-        <p:spPr>
-          <a:xfrm>
-            <a:off x="685800" y="1524000"/>
-            <a:ext cx="8001000" cy="5105400"/>
-          </a:xfrm>
-        </p:spPr>
-        <p:txBody>
-          <a:bodyPr/>
-          <a:lstStyle/>
-          <a:p>
-            <a:r>
-              <a:rPr lang="en-US" dirty="0" smtClean="0"/>
-              <a:t>Use of QT interface API GUI</a:t>
-            </a:r>
-            <a:endParaRPr lang="en-US" dirty="0" smtClean="0"/>
-          </a:p>
-          <a:p>
-            <a:endParaRPr lang="en-US" dirty="0" smtClean="0"/>
-          </a:p>
-          <a:p>
-            <a:r>
-              <a:rPr lang="en-US" dirty="0" smtClean="0"/>
-              <a:t> </a:t>
-            </a:r>
-            <a:r>
-              <a:rPr lang="en-US" dirty="0" smtClean="0"/>
-              <a:t>Proofread code more thoroughly</a:t>
-            </a:r>
-            <a:endParaRPr lang="en-US" dirty="0" smtClean="0"/>
-          </a:p>
-          <a:p>
-            <a:endParaRPr lang="en-US" dirty="0" smtClean="0"/>
-          </a:p>
-          <a:p>
-            <a:r>
-              <a:rPr lang="en-US" dirty="0" smtClean="0"/>
-              <a:t>Open areas for </a:t>
-            </a:r>
-            <a:r>
-              <a:rPr lang="en-US" dirty="0" smtClean="0"/>
-              <a:t>future work</a:t>
-            </a:r>
-          </a:p>
-          <a:p>
-            <a:pPr lvl="1"/>
-            <a:r>
-              <a:rPr lang="en-US" dirty="0" smtClean="0"/>
-              <a:t>Implement other aspects of PBS.</a:t>
-            </a:r>
-          </a:p>
-          <a:p>
-            <a:pPr lvl="1"/>
-            <a:r>
-              <a:rPr lang="en-US" dirty="0" smtClean="0"/>
-              <a:t> </a:t>
-            </a:r>
-            <a:r>
-              <a:rPr lang="en-US" dirty="0" smtClean="0"/>
-              <a:t>generating a more realistic and more interactive simulation environment.</a:t>
-            </a:r>
-          </a:p>
-          <a:p>
-            <a:pPr lvl="1"/>
-            <a:r>
-              <a:rPr lang="en-US" dirty="0" smtClean="0"/>
-              <a:t>Comparative analysis of our final system with the existing architectures</a:t>
-            </a:r>
-          </a:p>
-          <a:p>
-            <a:pPr lvl="1"/>
-            <a:endParaRPr lang="en-US" dirty="0" smtClean="0"/>
-          </a:p>
-          <a:p>
-            <a:pPr lvl="1"/>
-            <a:endParaRPr lang="en-US" dirty="0" smtClean="0"/>
-          </a:p>
-          <a:p>
-            <a:pPr lvl="1"/>
-            <a:endParaRPr lang="en-US" dirty="0" smtClean="0"/>
-          </a:p>
-        </p:txBody>
-      </p:sp>
-    </p:spTree>
-  </p:cSld>
-  <p:clrMapOvr>
-    <a:masterClrMapping/>
-  </p:clrMapOvr>
-</p:sld>
-</file>
-
 <file path=ppt/slides/slide17.xml><?xml version="1.0" encoding="utf-8"?>
 <p:sld xmlns:a="http://schemas.openxmlformats.org/drawingml/2006/main" xmlns:r="http://schemas.openxmlformats.org/officeDocument/2006/relationships" xmlns:p="http://schemas.openxmlformats.org/presentationml/2006/main">
   <p:cSld>
@@ -5181,7 +5163,7 @@
       </p:grpSpPr>
       <p:sp>
         <p:nvSpPr>
-          <p:cNvPr id="30722" name="Title 1"/>
+          <p:cNvPr id="29698" name="Title 1"/>
           <p:cNvSpPr>
             <a:spLocks noGrp="1"/>
           </p:cNvSpPr>
@@ -5196,14 +5178,14 @@
           <a:p>
             <a:r>
               <a:rPr lang="en-US" smtClean="0"/>
-              <a:t>Part III: Demo of Prototype</a:t>
-            </a:r>
-          </a:p>
-        </p:txBody>
-      </p:sp>
-      <p:sp>
-        <p:nvSpPr>
-          <p:cNvPr id="30723" name="Content Placeholder 2"/>
+              <a:t>Lessons Learned</a:t>
+            </a:r>
+          </a:p>
+        </p:txBody>
+      </p:sp>
+      <p:sp>
+        <p:nvSpPr>
+          <p:cNvPr id="29699" name="Content Placeholder 2"/>
           <p:cNvSpPr>
             <a:spLocks noGrp="1"/>
           </p:cNvSpPr>
@@ -5213,8 +5195,8 @@
         </p:nvSpPr>
         <p:spPr>
           <a:xfrm>
-            <a:off x="685800" y="1981200"/>
-            <a:ext cx="8153400" cy="4114800"/>
+            <a:off x="685800" y="1524000"/>
+            <a:ext cx="8001000" cy="5105400"/>
           </a:xfrm>
         </p:spPr>
         <p:txBody>
@@ -5223,50 +5205,58 @@
           <a:p>
             <a:r>
               <a:rPr lang="en-US" dirty="0" smtClean="0"/>
-              <a:t>High-Level features of User Interface</a:t>
+              <a:t>Use of QT interface API GUI</a:t>
+            </a:r>
+          </a:p>
+          <a:p>
+            <a:endParaRPr lang="en-US" dirty="0" smtClean="0"/>
+          </a:p>
+          <a:p>
+            <a:r>
+              <a:rPr lang="en-US" dirty="0" smtClean="0"/>
+              <a:t> Proofread code more thoroughly</a:t>
+            </a:r>
+          </a:p>
+          <a:p>
+            <a:endParaRPr lang="en-US" dirty="0" smtClean="0"/>
+          </a:p>
+          <a:p>
+            <a:r>
+              <a:rPr lang="en-US" dirty="0" smtClean="0"/>
+              <a:t>Open areas for future work</a:t>
             </a:r>
           </a:p>
           <a:p>
             <a:pPr lvl="1"/>
             <a:r>
               <a:rPr lang="en-US" dirty="0" smtClean="0"/>
-              <a:t> M</a:t>
-            </a:r>
+              <a:t>Implement other aspects of PBS.</a:t>
+            </a:r>
+          </a:p>
+          <a:p>
+            <a:pPr lvl="1"/>
             <a:r>
               <a:rPr lang="en-US" dirty="0" smtClean="0"/>
-              <a:t>odeling pedestrians for the system</a:t>
-            </a:r>
+              <a:t> generating a more realistic and more interactive simulation environment.</a:t>
+            </a:r>
+          </a:p>
+          <a:p>
+            <a:pPr lvl="1"/>
+            <a:r>
+              <a:rPr lang="en-US" dirty="0" smtClean="0"/>
+              <a:t>Comparative analysis of our final system with the existing architectures</a:t>
+            </a:r>
+          </a:p>
+          <a:p>
+            <a:pPr lvl="1"/>
             <a:endParaRPr lang="en-US" dirty="0" smtClean="0"/>
           </a:p>
           <a:p>
             <a:pPr lvl="1"/>
-            <a:r>
-              <a:rPr lang="en-US" dirty="0" smtClean="0"/>
-              <a:t> </a:t>
-            </a:r>
-            <a:r>
-              <a:rPr lang="en-US" dirty="0" smtClean="0"/>
-              <a:t>Distance calculation &amp; detection for pedestrians</a:t>
-            </a:r>
             <a:endParaRPr lang="en-US" dirty="0" smtClean="0"/>
           </a:p>
           <a:p>
             <a:pPr lvl="1"/>
-            <a:r>
-              <a:rPr lang="en-US" dirty="0" smtClean="0"/>
-              <a:t> A</a:t>
-            </a:r>
-            <a:r>
-              <a:rPr lang="en-US" dirty="0" smtClean="0"/>
-              <a:t>ccident Prevention and resuming the system</a:t>
-            </a:r>
-          </a:p>
-          <a:p>
-            <a:pPr lvl="1"/>
-            <a:r>
-              <a:rPr lang="en-US" dirty="0" smtClean="0"/>
-              <a:t>User authentication</a:t>
-            </a:r>
             <a:endParaRPr lang="en-US" dirty="0" smtClean="0"/>
           </a:p>
         </p:txBody>
@@ -5298,7 +5288,7 @@
       </p:grpSpPr>
       <p:sp>
         <p:nvSpPr>
-          <p:cNvPr id="31746" name="Title 1"/>
+          <p:cNvPr id="30722" name="Title 1"/>
           <p:cNvSpPr>
             <a:spLocks noGrp="1"/>
           </p:cNvSpPr>
@@ -5313,14 +5303,14 @@
           <a:p>
             <a:r>
               <a:rPr lang="en-US" smtClean="0"/>
-              <a:t>Live Demonstration I</a:t>
-            </a:r>
-          </a:p>
-        </p:txBody>
-      </p:sp>
-      <p:sp>
-        <p:nvSpPr>
-          <p:cNvPr id="31747" name="Content Placeholder 2"/>
+              <a:t>Part III: Demo of Prototype</a:t>
+            </a:r>
+          </a:p>
+        </p:txBody>
+      </p:sp>
+      <p:sp>
+        <p:nvSpPr>
+          <p:cNvPr id="30723" name="Content Placeholder 2"/>
           <p:cNvSpPr>
             <a:spLocks noGrp="1"/>
           </p:cNvSpPr>
@@ -5328,21 +5318,47 @@
             <p:ph idx="1"/>
           </p:nvPr>
         </p:nvSpPr>
-        <p:spPr/>
+        <p:spPr>
+          <a:xfrm>
+            <a:off x="685800" y="1981200"/>
+            <a:ext cx="8153400" cy="4114800"/>
+          </a:xfrm>
+        </p:spPr>
         <p:txBody>
           <a:bodyPr/>
           <a:lstStyle/>
           <a:p>
             <a:r>
-              <a:rPr lang="en-US" smtClean="0"/>
-              <a:t>Prose description of scenario illustrating prototype functionality</a:t>
+              <a:rPr lang="en-US" dirty="0" smtClean="0"/>
+              <a:t>High-Level features of User Interface</a:t>
             </a:r>
           </a:p>
           <a:p>
             <a:pPr lvl="1"/>
             <a:r>
-              <a:rPr lang="en-US" smtClean="0"/>
-              <a:t>Give live planned demonstration</a:t>
+              <a:rPr lang="en-US" dirty="0" smtClean="0"/>
+              <a:t> Modeling pedestrians for the system</a:t>
+            </a:r>
+          </a:p>
+          <a:p>
+            <a:pPr lvl="1"/>
+            <a:r>
+              <a:rPr lang="en-US" dirty="0" smtClean="0"/>
+              <a:t> Distance calculation &amp; detection for pedestrians</a:t>
+            </a:r>
+          </a:p>
+          <a:p>
+            <a:pPr lvl="1"/>
+            <a:r>
+              <a:rPr lang="en-US" dirty="0" smtClean="0"/>
+              <a:t> Accident Prevention and resuming the system</a:t>
+            </a:r>
+          </a:p>
+          <a:p>
+            <a:pPr lvl="1"/>
+            <a:r>
+              <a:rPr lang="en-US" dirty="0" smtClean="0"/>
+              <a:t>User authentication</a:t>
             </a:r>
           </a:p>
         </p:txBody>
@@ -5374,7 +5390,7 @@
       </p:grpSpPr>
       <p:sp>
         <p:nvSpPr>
-          <p:cNvPr id="32770" name="Title 1"/>
+          <p:cNvPr id="31746" name="Title 1"/>
           <p:cNvSpPr>
             <a:spLocks noGrp="1"/>
           </p:cNvSpPr>
@@ -5389,14 +5405,14 @@
           <a:p>
             <a:r>
               <a:rPr lang="en-US" smtClean="0"/>
-              <a:t>Live Demonstration II</a:t>
-            </a:r>
-          </a:p>
-        </p:txBody>
-      </p:sp>
-      <p:sp>
-        <p:nvSpPr>
-          <p:cNvPr id="32771" name="Content Placeholder 2"/>
+              <a:t>Live Demonstration I</a:t>
+            </a:r>
+          </a:p>
+        </p:txBody>
+      </p:sp>
+      <p:sp>
+        <p:nvSpPr>
+          <p:cNvPr id="31747" name="Content Placeholder 2"/>
           <p:cNvSpPr>
             <a:spLocks noGrp="1"/>
           </p:cNvSpPr>
@@ -5411,13 +5427,14 @@
           <a:p>
             <a:r>
               <a:rPr lang="en-US" smtClean="0"/>
-              <a:t>Solicit input from audience to walk through a few more scenarios</a:t>
-            </a:r>
-          </a:p>
-          <a:p>
-            <a:r>
-              <a:rPr lang="en-US" smtClean="0"/>
-              <a:t>Alternatively let someone from audience try out the system.</a:t>
+              <a:t>Prose description of scenario illustrating prototype functionality</a:t>
+            </a:r>
+          </a:p>
+          <a:p>
+            <a:pPr lvl="1"/>
+            <a:r>
+              <a:rPr lang="en-US" smtClean="0"/>
+              <a:t>Give live planned demonstration</a:t>
             </a:r>
           </a:p>
         </p:txBody>
@@ -5464,40 +5481,30 @@
           <a:p>
             <a:r>
               <a:rPr lang="en-US" dirty="0" smtClean="0"/>
-              <a:t>Part I: Project </a:t>
-            </a:r>
+              <a:t>Part I: Project Overview</a:t>
+            </a:r>
+          </a:p>
+        </p:txBody>
+      </p:sp>
+      <p:sp>
+        <p:nvSpPr>
+          <p:cNvPr id="16387" name="Rectangle 3"/>
+          <p:cNvSpPr>
+            <a:spLocks noGrp="1" noChangeArrowheads="1"/>
+          </p:cNvSpPr>
+          <p:nvPr>
+            <p:ph type="body" idx="1"/>
+          </p:nvPr>
+        </p:nvSpPr>
+        <p:spPr/>
+        <p:txBody>
+          <a:bodyPr/>
+          <a:lstStyle/>
+          <a:p>
             <a:r>
               <a:rPr lang="en-US" dirty="0" smtClean="0"/>
-              <a:t>Overview</a:t>
-            </a:r>
-            <a:endParaRPr lang="en-US" dirty="0" smtClean="0"/>
-          </a:p>
-        </p:txBody>
-      </p:sp>
-      <p:sp>
-        <p:nvSpPr>
-          <p:cNvPr id="16387" name="Rectangle 3"/>
-          <p:cNvSpPr>
-            <a:spLocks noGrp="1" noChangeArrowheads="1"/>
-          </p:cNvSpPr>
-          <p:nvPr>
-            <p:ph type="body" idx="1"/>
-          </p:nvPr>
-        </p:nvSpPr>
-        <p:spPr/>
-        <p:txBody>
-          <a:bodyPr/>
-          <a:lstStyle/>
-          <a:p>
-            <a:r>
-              <a:rPr lang="en-US" dirty="0" smtClean="0"/>
-              <a:t>System provides </a:t>
-            </a:r>
-            <a:r>
-              <a:rPr lang="en-US" dirty="0" smtClean="0"/>
-              <a:t>Detection and Prevention aspects of the PBS system</a:t>
-            </a:r>
-            <a:endParaRPr lang="en-US" dirty="0" smtClean="0"/>
+              <a:t>System provides Detection and Prevention aspects of the PBS system</a:t>
+            </a:r>
           </a:p>
           <a:p>
             <a:r>
@@ -5509,23 +5516,14 @@
             <a:pPr lvl="1"/>
             <a:r>
               <a:rPr lang="en-US" dirty="0" smtClean="0"/>
-              <a:t> </a:t>
-            </a:r>
+              <a:t> reduce the number of injuries</a:t>
+            </a:r>
+          </a:p>
+          <a:p>
+            <a:pPr lvl="1"/>
             <a:r>
               <a:rPr lang="en-US" dirty="0" smtClean="0"/>
-              <a:t>reduce the number of injuries</a:t>
-            </a:r>
-            <a:endParaRPr lang="en-US" dirty="0" smtClean="0"/>
-          </a:p>
-          <a:p>
-            <a:pPr lvl="1"/>
-            <a:r>
-              <a:rPr lang="en-US" dirty="0" smtClean="0"/>
-              <a:t> </a:t>
-            </a:r>
-            <a:r>
-              <a:rPr lang="en-US" dirty="0" smtClean="0"/>
-              <a:t>safety of the driver</a:t>
+              <a:t> safety of the driver</a:t>
             </a:r>
           </a:p>
           <a:p>
@@ -5534,7 +5532,81 @@
               <a:rPr lang="en-US" dirty="0" smtClean="0"/>
               <a:t> explore the current technologies in this related domain.</a:t>
             </a:r>
-            <a:endParaRPr lang="en-US" dirty="0" smtClean="0"/>
+          </a:p>
+        </p:txBody>
+      </p:sp>
+    </p:spTree>
+  </p:cSld>
+  <p:clrMapOvr>
+    <a:masterClrMapping/>
+  </p:clrMapOvr>
+</p:sld>
+</file>
+
+<file path=ppt/slides/slide20.xml><?xml version="1.0" encoding="utf-8"?>
+<p:sld xmlns:a="http://schemas.openxmlformats.org/drawingml/2006/main" xmlns:r="http://schemas.openxmlformats.org/officeDocument/2006/relationships" xmlns:p="http://schemas.openxmlformats.org/presentationml/2006/main">
+  <p:cSld>
+    <p:spTree>
+      <p:nvGrpSpPr>
+        <p:cNvPr id="1" name=""/>
+        <p:cNvGrpSpPr/>
+        <p:nvPr/>
+      </p:nvGrpSpPr>
+      <p:grpSpPr>
+        <a:xfrm>
+          <a:off x="0" y="0"/>
+          <a:ext cx="0" cy="0"/>
+          <a:chOff x="0" y="0"/>
+          <a:chExt cx="0" cy="0"/>
+        </a:xfrm>
+      </p:grpSpPr>
+      <p:sp>
+        <p:nvSpPr>
+          <p:cNvPr id="32770" name="Title 1"/>
+          <p:cNvSpPr>
+            <a:spLocks noGrp="1"/>
+          </p:cNvSpPr>
+          <p:nvPr>
+            <p:ph type="title"/>
+          </p:nvPr>
+        </p:nvSpPr>
+        <p:spPr/>
+        <p:txBody>
+          <a:bodyPr/>
+          <a:lstStyle/>
+          <a:p>
+            <a:r>
+              <a:rPr lang="en-US" smtClean="0"/>
+              <a:t>Live Demonstration II</a:t>
+            </a:r>
+          </a:p>
+        </p:txBody>
+      </p:sp>
+      <p:sp>
+        <p:nvSpPr>
+          <p:cNvPr id="32771" name="Content Placeholder 2"/>
+          <p:cNvSpPr>
+            <a:spLocks noGrp="1"/>
+          </p:cNvSpPr>
+          <p:nvPr>
+            <p:ph idx="1"/>
+          </p:nvPr>
+        </p:nvSpPr>
+        <p:spPr/>
+        <p:txBody>
+          <a:bodyPr/>
+          <a:lstStyle/>
+          <a:p>
+            <a:r>
+              <a:rPr lang="en-US" smtClean="0"/>
+              <a:t>Solicit input from audience to walk through a few more scenarios</a:t>
+            </a:r>
+          </a:p>
+          <a:p>
+            <a:r>
+              <a:rPr lang="en-US" smtClean="0"/>
+              <a:t>Alternatively let someone from audience try out the system.</a:t>
+            </a:r>
           </a:p>
         </p:txBody>
       </p:sp>
@@ -5604,7 +5676,6 @@
               <a:rPr lang="en-US" dirty="0" smtClean="0"/>
               <a:t>Detection of Pedestrians</a:t>
             </a:r>
-            <a:endParaRPr lang="en-US" dirty="0" smtClean="0"/>
           </a:p>
           <a:p>
             <a:r>
@@ -5685,7 +5756,6 @@
               <a:rPr lang="en-US" dirty="0" smtClean="0"/>
               <a:t>Domain Research</a:t>
             </a:r>
-            <a:endParaRPr lang="en-US" dirty="0" smtClean="0"/>
           </a:p>
         </p:txBody>
       </p:sp>
@@ -5713,7 +5783,6 @@
               <a:rPr lang="en-US" dirty="0" smtClean="0"/>
               <a:t>Investigated the current pedestrian detection architectures</a:t>
             </a:r>
-            <a:endParaRPr lang="en-US" dirty="0" smtClean="0"/>
           </a:p>
           <a:p>
             <a:r>
@@ -5732,11 +5801,7 @@
             <a:pPr lvl="1"/>
             <a:r>
               <a:rPr lang="en-US" dirty="0" smtClean="0"/>
-              <a:t> </a:t>
-            </a:r>
-            <a:r>
-              <a:rPr lang="en-US" dirty="0" smtClean="0"/>
-              <a:t>Data based security on Alarm system</a:t>
+              <a:t> Data based security on Alarm system</a:t>
             </a:r>
           </a:p>
           <a:p>
@@ -5752,22 +5817,14 @@
             <a:pPr lvl="1"/>
             <a:r>
               <a:rPr lang="en-US" sz="2400" dirty="0" smtClean="0"/>
-              <a:t> </a:t>
-            </a:r>
+              <a:t> Simulated data to model pedestrians</a:t>
+            </a:r>
+          </a:p>
+          <a:p>
+            <a:pPr lvl="1"/>
             <a:r>
               <a:rPr lang="en-US" sz="2400" dirty="0" smtClean="0"/>
-              <a:t>Simulated data to model pedestrians</a:t>
-            </a:r>
-          </a:p>
-          <a:p>
-            <a:pPr lvl="1"/>
-            <a:r>
-              <a:rPr lang="en-US" sz="2400" dirty="0" smtClean="0"/>
-              <a:t> </a:t>
-            </a:r>
-            <a:r>
-              <a:rPr lang="en-US" sz="2400" dirty="0" smtClean="0"/>
-              <a:t>Non-ideal/failure behavior of sensors not comprehensively dealt</a:t>
+              <a:t> Non-ideal/failure behavior of sensors not comprehensively dealt</a:t>
             </a:r>
             <a:endParaRPr lang="en-US" dirty="0" smtClean="0"/>
           </a:p>
@@ -5777,7 +5834,6 @@
               <a:rPr lang="en-US" sz="2400" dirty="0" smtClean="0"/>
               <a:t>Real recommendations are not generated in response to potential accident.</a:t>
             </a:r>
-            <a:endParaRPr lang="en-US" sz="2400" dirty="0" smtClean="0"/>
           </a:p>
         </p:txBody>
       </p:sp>
@@ -5852,11 +5908,7 @@
           <a:p>
             <a:r>
               <a:rPr lang="en-US" dirty="0" smtClean="0"/>
-              <a:t>Identify security factors affecting </a:t>
-            </a:r>
-            <a:r>
-              <a:rPr lang="en-US" dirty="0" smtClean="0"/>
-              <a:t>project</a:t>
+              <a:t>Identify security factors affecting project</a:t>
             </a:r>
           </a:p>
           <a:p>
@@ -5870,19 +5922,14 @@
               <a:rPr lang="en-US" dirty="0" smtClean="0"/>
               <a:t>If injected too many False alarms – user can lose trust– can lead to accident</a:t>
             </a:r>
+          </a:p>
+          <a:p>
             <a:endParaRPr lang="en-US" dirty="0" smtClean="0"/>
           </a:p>
           <a:p>
-            <a:endParaRPr lang="en-US" dirty="0" smtClean="0"/>
-          </a:p>
-          <a:p>
             <a:r>
               <a:rPr lang="en-US" dirty="0" smtClean="0"/>
-              <a:t>How did you mitigate security risks</a:t>
-            </a:r>
-            <a:r>
-              <a:rPr lang="en-US" dirty="0" smtClean="0"/>
-              <a:t>?</a:t>
+              <a:t>How did you mitigate security risks?</a:t>
             </a:r>
           </a:p>
           <a:p>
@@ -6082,40 +6129,32 @@
           </a:p>
         </p:txBody>
       </p:sp>
-      <p:sp>
-        <p:nvSpPr>
-          <p:cNvPr id="23555" name="Rectangle 3"/>
-          <p:cNvSpPr>
-            <a:spLocks noGrp="1" noChangeArrowheads="1"/>
-          </p:cNvSpPr>
-          <p:nvPr>
-            <p:ph type="body" idx="1"/>
-          </p:nvPr>
-        </p:nvSpPr>
-        <p:spPr/>
-        <p:txBody>
-          <a:bodyPr/>
-          <a:lstStyle/>
-          <a:p>
-            <a:r>
-              <a:rPr lang="en-US" smtClean="0"/>
-              <a:t>Give and describe use case diagram</a:t>
-            </a:r>
-          </a:p>
-          <a:p>
-            <a:r>
-              <a:rPr lang="en-US" smtClean="0"/>
-              <a:t>Briefly describe key use cases</a:t>
-            </a:r>
-          </a:p>
-          <a:p>
-            <a:r>
-              <a:rPr lang="en-US" smtClean="0"/>
-              <a:t>Take one use case and give details</a:t>
-            </a:r>
-          </a:p>
-        </p:txBody>
-      </p:sp>
+      <p:pic>
+        <p:nvPicPr>
+          <p:cNvPr id="1027" name="Picture 3" descr="C:\Users\David\Downloads\MINIPROJ\UseCase.png"/>
+          <p:cNvPicPr>
+            <a:picLocks noChangeAspect="1" noChangeArrowheads="1"/>
+          </p:cNvPicPr>
+          <p:nvPr/>
+        </p:nvPicPr>
+        <p:blipFill>
+          <a:blip r:embed="rId2"/>
+          <a:srcRect/>
+          <a:stretch>
+            <a:fillRect/>
+          </a:stretch>
+        </p:blipFill>
+        <p:spPr bwMode="auto">
+          <a:xfrm>
+            <a:off x="1447800" y="1447800"/>
+            <a:ext cx="5381625" cy="4975464"/>
+          </a:xfrm>
+          <a:prstGeom prst="rect">
+            <a:avLst/>
+          </a:prstGeom>
+          <a:noFill/>
+        </p:spPr>
+      </p:pic>
     </p:spTree>
   </p:cSld>
   <p:clrMapOvr>
@@ -6238,109 +6277,53 @@
       </p:grpSpPr>
       <p:sp>
         <p:nvSpPr>
-          <p:cNvPr id="25602" name="Rectangle 2"/>
-          <p:cNvSpPr>
-            <a:spLocks noGrp="1" noChangeArrowheads="1"/>
+          <p:cNvPr id="2" name="Title 1"/>
+          <p:cNvSpPr>
+            <a:spLocks noGrp="1"/>
           </p:cNvSpPr>
           <p:nvPr>
             <p:ph type="title"/>
           </p:nvPr>
         </p:nvSpPr>
-        <p:spPr>
+        <p:spPr/>
+        <p:txBody>
+          <a:bodyPr/>
+          <a:lstStyle/>
+          <a:p>
+            <a:r>
+              <a:rPr lang="en-US" dirty="0" smtClean="0"/>
+              <a:t>New System Class Diagram</a:t>
+            </a:r>
+            <a:endParaRPr lang="en-US" dirty="0"/>
+          </a:p>
+        </p:txBody>
+      </p:sp>
+      <p:pic>
+        <p:nvPicPr>
+          <p:cNvPr id="2050" name="Picture 2" descr="C:\Users\David\Downloads\MINIPROJ\ClassDiagram.png"/>
+          <p:cNvPicPr>
+            <a:picLocks noChangeAspect="1" noChangeArrowheads="1"/>
+          </p:cNvPicPr>
+          <p:nvPr/>
+        </p:nvPicPr>
+        <p:blipFill>
+          <a:blip r:embed="rId2"/>
+          <a:srcRect/>
+          <a:stretch>
+            <a:fillRect/>
+          </a:stretch>
+        </p:blipFill>
+        <p:spPr bwMode="auto">
           <a:xfrm>
-            <a:off x="762000" y="304800"/>
-            <a:ext cx="7772400" cy="1143000"/>
+            <a:off x="-76200" y="1828800"/>
+            <a:ext cx="9345772" cy="4241047"/>
           </a:xfrm>
-        </p:spPr>
-        <p:txBody>
-          <a:bodyPr/>
-          <a:lstStyle/>
-          <a:p>
-            <a:r>
-              <a:rPr lang="en-US" smtClean="0"/>
-              <a:t>Description of Class Diagram</a:t>
-            </a:r>
-          </a:p>
-        </p:txBody>
-      </p:sp>
-      <p:sp>
-        <p:nvSpPr>
-          <p:cNvPr id="25603" name="Rectangle 3"/>
-          <p:cNvSpPr>
-            <a:spLocks noGrp="1" noChangeArrowheads="1"/>
-          </p:cNvSpPr>
-          <p:nvPr>
-            <p:ph type="body" idx="1"/>
-          </p:nvPr>
-        </p:nvSpPr>
-        <p:spPr>
-          <a:xfrm>
-            <a:off x="685800" y="1600200"/>
-            <a:ext cx="8077200" cy="4495800"/>
-          </a:xfrm>
-        </p:spPr>
-        <p:txBody>
-          <a:bodyPr/>
-          <a:lstStyle/>
-          <a:p>
-            <a:r>
-              <a:rPr lang="en-US" smtClean="0"/>
-              <a:t>General layout of class model</a:t>
-            </a:r>
-          </a:p>
-          <a:p>
-            <a:r>
-              <a:rPr lang="en-US" smtClean="0"/>
-              <a:t>Why model is constructed this way</a:t>
-            </a:r>
-          </a:p>
-          <a:p>
-            <a:r>
-              <a:rPr lang="en-US" smtClean="0"/>
-              <a:t>Identify the design patterns used for system (use color or other means to distinguish design patterns).</a:t>
-            </a:r>
-          </a:p>
-          <a:p>
-            <a:pPr lvl="1"/>
-            <a:r>
-              <a:rPr lang="en-US" smtClean="0"/>
-              <a:t>Explain the rationale for the design patterns used</a:t>
-            </a:r>
-          </a:p>
-          <a:p>
-            <a:r>
-              <a:rPr lang="en-US" smtClean="0">
-                <a:solidFill>
-                  <a:srgbClr val="0000FF"/>
-                </a:solidFill>
-              </a:rPr>
-              <a:t>AOP Projects:</a:t>
-            </a:r>
-          </a:p>
-          <a:p>
-            <a:pPr lvl="1"/>
-            <a:r>
-              <a:rPr lang="en-US" smtClean="0">
-                <a:solidFill>
-                  <a:srgbClr val="0000FF"/>
-                </a:solidFill>
-              </a:rPr>
-              <a:t>Identify the cross-cutting concern(s)</a:t>
-            </a:r>
-          </a:p>
-          <a:p>
-            <a:pPr lvl="1"/>
-            <a:r>
-              <a:rPr lang="en-US" smtClean="0">
-                <a:solidFill>
-                  <a:srgbClr val="0000FF"/>
-                </a:solidFill>
-              </a:rPr>
-              <a:t>How did you use aspect-oriented programming?</a:t>
-            </a:r>
-          </a:p>
-        </p:txBody>
-      </p:sp>
+          <a:prstGeom prst="rect">
+            <a:avLst/>
+          </a:prstGeom>
+          <a:noFill/>
+        </p:spPr>
+      </p:pic>
     </p:spTree>
   </p:cSld>
   <p:clrMapOvr>
